--- a/courses/apcsp/intro.pptx
+++ b/courses/apcsp/intro.pptx
@@ -127,7 +127,7 @@
 <file path=ppt/revisionInfo.xml><?xml version="1.0" encoding="utf-8"?>
 <p1510:revInfo xmlns:a="http://schemas.openxmlformats.org/drawingml/2006/main" xmlns:r="http://schemas.openxmlformats.org/officeDocument/2006/relationships" xmlns:p1510="http://schemas.microsoft.com/office/powerpoint/2015/10/main">
   <p1510:revLst>
-    <p1510:client id="{35CC1AD9-6796-8D45-8BC9-4B8D62A8FC55}" v="703" dt="2023-09-07T14:13:01.885"/>
+    <p1510:client id="{35CC1AD9-6796-8D45-8BC9-4B8D62A8FC55}" v="706" dt="2023-09-07T16:58:56.415"/>
   </p1510:revLst>
 </p1510:revInfo>
 </file>
@@ -3065,7 +3065,7 @@
   <pc:docChgLst>
     <pc:chgData name="Long B Nguyen" userId="f59fb8f3-a021-417a-8bc1-65c8d471c621" providerId="ADAL" clId="{35CC1AD9-6796-8D45-8BC9-4B8D62A8FC55}"/>
     <pc:docChg chg="custSel addSld delSld modSld">
-      <pc:chgData name="Long B Nguyen" userId="f59fb8f3-a021-417a-8bc1-65c8d471c621" providerId="ADAL" clId="{35CC1AD9-6796-8D45-8BC9-4B8D62A8FC55}" dt="2023-09-07T14:52:12.596" v="1196" actId="20577"/>
+      <pc:chgData name="Long B Nguyen" userId="f59fb8f3-a021-417a-8bc1-65c8d471c621" providerId="ADAL" clId="{35CC1AD9-6796-8D45-8BC9-4B8D62A8FC55}" dt="2023-09-07T16:58:56.414" v="1199"/>
       <pc:docMkLst>
         <pc:docMk/>
       </pc:docMkLst>
@@ -3227,8 +3227,8 @@
           <pc:sldMk cId="4224307978" sldId="270"/>
         </pc:sldMkLst>
       </pc:sldChg>
-      <pc:sldChg chg="modSp add mod">
-        <pc:chgData name="Long B Nguyen" userId="f59fb8f3-a021-417a-8bc1-65c8d471c621" providerId="ADAL" clId="{35CC1AD9-6796-8D45-8BC9-4B8D62A8FC55}" dt="2023-09-07T14:52:12.596" v="1196" actId="20577"/>
+      <pc:sldChg chg="modSp add mod modAnim">
+        <pc:chgData name="Long B Nguyen" userId="f59fb8f3-a021-417a-8bc1-65c8d471c621" providerId="ADAL" clId="{35CC1AD9-6796-8D45-8BC9-4B8D62A8FC55}" dt="2023-09-07T16:58:56.414" v="1199"/>
         <pc:sldMkLst>
           <pc:docMk/>
           <pc:sldMk cId="0" sldId="280"/>
@@ -9521,6 +9521,214 @@
     <a:masterClrMapping/>
   </p:clrMapOvr>
   <p:transition/>
+  <p:timing>
+    <p:tnLst>
+      <p:par>
+        <p:cTn id="1" dur="indefinite" restart="never" nodeType="tmRoot">
+          <p:childTnLst>
+            <p:seq concurrent="1" nextAc="seek">
+              <p:cTn id="2" dur="indefinite" nodeType="mainSeq">
+                <p:childTnLst>
+                  <p:par>
+                    <p:cTn id="3" fill="hold">
+                      <p:stCondLst>
+                        <p:cond delay="indefinite"/>
+                      </p:stCondLst>
+                      <p:childTnLst>
+                        <p:par>
+                          <p:cTn id="4" fill="hold">
+                            <p:stCondLst>
+                              <p:cond delay="0"/>
+                            </p:stCondLst>
+                            <p:childTnLst>
+                              <p:par>
+                                <p:cTn id="5" presetID="1" presetClass="entr" presetSubtype="0" fill="hold" nodeType="clickEffect">
+                                  <p:stCondLst>
+                                    <p:cond delay="0"/>
+                                  </p:stCondLst>
+                                  <p:childTnLst>
+                                    <p:set>
+                                      <p:cBhvr>
+                                        <p:cTn id="6" dur="1" fill="hold">
+                                          <p:stCondLst>
+                                            <p:cond delay="0"/>
+                                          </p:stCondLst>
+                                        </p:cTn>
+                                        <p:tgtEl>
+                                          <p:spTgt spid="4099">
+                                            <p:txEl>
+                                              <p:pRg st="2" end="2"/>
+                                            </p:txEl>
+                                          </p:spTgt>
+                                        </p:tgtEl>
+                                        <p:attrNameLst>
+                                          <p:attrName>style.visibility</p:attrName>
+                                        </p:attrNameLst>
+                                      </p:cBhvr>
+                                      <p:to>
+                                        <p:strVal val="visible"/>
+                                      </p:to>
+                                    </p:set>
+                                  </p:childTnLst>
+                                </p:cTn>
+                              </p:par>
+                            </p:childTnLst>
+                          </p:cTn>
+                        </p:par>
+                      </p:childTnLst>
+                    </p:cTn>
+                  </p:par>
+                  <p:par>
+                    <p:cTn id="7" fill="hold">
+                      <p:stCondLst>
+                        <p:cond delay="indefinite"/>
+                      </p:stCondLst>
+                      <p:childTnLst>
+                        <p:par>
+                          <p:cTn id="8" fill="hold">
+                            <p:stCondLst>
+                              <p:cond delay="0"/>
+                            </p:stCondLst>
+                            <p:childTnLst>
+                              <p:par>
+                                <p:cTn id="9" presetID="1" presetClass="entr" presetSubtype="0" fill="hold" nodeType="clickEffect">
+                                  <p:stCondLst>
+                                    <p:cond delay="0"/>
+                                  </p:stCondLst>
+                                  <p:childTnLst>
+                                    <p:set>
+                                      <p:cBhvr>
+                                        <p:cTn id="10" dur="1" fill="hold">
+                                          <p:stCondLst>
+                                            <p:cond delay="0"/>
+                                          </p:stCondLst>
+                                        </p:cTn>
+                                        <p:tgtEl>
+                                          <p:spTgt spid="4099">
+                                            <p:txEl>
+                                              <p:pRg st="3" end="3"/>
+                                            </p:txEl>
+                                          </p:spTgt>
+                                        </p:tgtEl>
+                                        <p:attrNameLst>
+                                          <p:attrName>style.visibility</p:attrName>
+                                        </p:attrNameLst>
+                                      </p:cBhvr>
+                                      <p:to>
+                                        <p:strVal val="visible"/>
+                                      </p:to>
+                                    </p:set>
+                                  </p:childTnLst>
+                                </p:cTn>
+                              </p:par>
+                            </p:childTnLst>
+                          </p:cTn>
+                        </p:par>
+                      </p:childTnLst>
+                    </p:cTn>
+                  </p:par>
+                  <p:par>
+                    <p:cTn id="11" fill="hold">
+                      <p:stCondLst>
+                        <p:cond delay="indefinite"/>
+                      </p:stCondLst>
+                      <p:childTnLst>
+                        <p:par>
+                          <p:cTn id="12" fill="hold">
+                            <p:stCondLst>
+                              <p:cond delay="0"/>
+                            </p:stCondLst>
+                            <p:childTnLst>
+                              <p:par>
+                                <p:cTn id="13" presetID="1" presetClass="entr" presetSubtype="0" fill="hold" nodeType="clickEffect">
+                                  <p:stCondLst>
+                                    <p:cond delay="0"/>
+                                  </p:stCondLst>
+                                  <p:childTnLst>
+                                    <p:set>
+                                      <p:cBhvr>
+                                        <p:cTn id="14" dur="1" fill="hold">
+                                          <p:stCondLst>
+                                            <p:cond delay="0"/>
+                                          </p:stCondLst>
+                                        </p:cTn>
+                                        <p:tgtEl>
+                                          <p:spTgt spid="4099">
+                                            <p:txEl>
+                                              <p:pRg st="4" end="4"/>
+                                            </p:txEl>
+                                          </p:spTgt>
+                                        </p:tgtEl>
+                                        <p:attrNameLst>
+                                          <p:attrName>style.visibility</p:attrName>
+                                        </p:attrNameLst>
+                                      </p:cBhvr>
+                                      <p:to>
+                                        <p:strVal val="visible"/>
+                                      </p:to>
+                                    </p:set>
+                                  </p:childTnLst>
+                                </p:cTn>
+                              </p:par>
+                              <p:par>
+                                <p:cTn id="15" presetID="1" presetClass="entr" presetSubtype="0" fill="hold" nodeType="withEffect">
+                                  <p:stCondLst>
+                                    <p:cond delay="0"/>
+                                  </p:stCondLst>
+                                  <p:childTnLst>
+                                    <p:set>
+                                      <p:cBhvr>
+                                        <p:cTn id="16" dur="1" fill="hold">
+                                          <p:stCondLst>
+                                            <p:cond delay="0"/>
+                                          </p:stCondLst>
+                                        </p:cTn>
+                                        <p:tgtEl>
+                                          <p:spTgt spid="4099">
+                                            <p:txEl>
+                                              <p:pRg st="5" end="5"/>
+                                            </p:txEl>
+                                          </p:spTgt>
+                                        </p:tgtEl>
+                                        <p:attrNameLst>
+                                          <p:attrName>style.visibility</p:attrName>
+                                        </p:attrNameLst>
+                                      </p:cBhvr>
+                                      <p:to>
+                                        <p:strVal val="visible"/>
+                                      </p:to>
+                                    </p:set>
+                                  </p:childTnLst>
+                                </p:cTn>
+                              </p:par>
+                            </p:childTnLst>
+                          </p:cTn>
+                        </p:par>
+                      </p:childTnLst>
+                    </p:cTn>
+                  </p:par>
+                </p:childTnLst>
+              </p:cTn>
+              <p:prevCondLst>
+                <p:cond evt="onPrev" delay="0">
+                  <p:tgtEl>
+                    <p:sldTgt/>
+                  </p:tgtEl>
+                </p:cond>
+              </p:prevCondLst>
+              <p:nextCondLst>
+                <p:cond evt="onNext" delay="0">
+                  <p:tgtEl>
+                    <p:sldTgt/>
+                  </p:tgtEl>
+                </p:cond>
+              </p:nextCondLst>
+            </p:seq>
+          </p:childTnLst>
+        </p:cTn>
+      </p:par>
+    </p:tnLst>
+  </p:timing>
 </p:sld>
 </file>
 
